--- a/documentos/Banner_PI_80x120_2025_2[1].pptx
+++ b/documentos/Banner_PI_80x120_2025_2[1].pptx
@@ -5943,10 +5943,10 @@
       </p:pic>
       <p:pic>
         <p:nvPicPr>
-          <p:cNvPr id="12" name="Imagem 11" descr="Logotipo, Ícone&#10;&#10;O conteúdo gerado por IA pode estar incorreto.">
+          <p:cNvPr id="15" name="Imagem 14" descr="Uma imagem contendo Ícone&#10;&#10;O conteúdo gerado por IA pode estar incorreto.">
             <a:extLst>
               <a:ext uri="{FF2B5EF4-FFF2-40B4-BE49-F238E27FC236}">
-                <a16:creationId xmlns:a16="http://schemas.microsoft.com/office/drawing/2014/main" id="{F265727C-35EA-9DFA-0973-7707DC71EAEC}"/>
+                <a16:creationId xmlns:a16="http://schemas.microsoft.com/office/drawing/2014/main" id="{31366770-2457-D40F-603F-BB4428389EC6}"/>
               </a:ext>
             </a:extLst>
           </p:cNvPr>
@@ -5969,8 +5969,8 @@
         </p:blipFill>
         <p:spPr>
           <a:xfrm>
-            <a:off x="13324104" y="12678504"/>
-            <a:ext cx="2390002" cy="2390002"/>
+            <a:off x="13707500" y="13103127"/>
+            <a:ext cx="2252785" cy="1689588"/>
           </a:xfrm>
           <a:prstGeom prst="rect">
             <a:avLst/>
@@ -5979,10 +5979,10 @@
       </p:pic>
       <p:pic>
         <p:nvPicPr>
-          <p:cNvPr id="13" name="Imagem 12" descr="Ícone&#10;&#10;O conteúdo gerado por IA pode estar incorreto.">
+          <p:cNvPr id="18" name="Imagem 17" descr="Ícone&#10;&#10;O conteúdo gerado por IA pode estar incorreto.">
             <a:extLst>
               <a:ext uri="{FF2B5EF4-FFF2-40B4-BE49-F238E27FC236}">
-                <a16:creationId xmlns:a16="http://schemas.microsoft.com/office/drawing/2014/main" id="{004D8512-6DEA-0B0B-63E3-A7017472BDB0}"/>
+                <a16:creationId xmlns:a16="http://schemas.microsoft.com/office/drawing/2014/main" id="{6D783549-32E2-3701-9536-85EC637BA269}"/>
               </a:ext>
             </a:extLst>
           </p:cNvPr>
@@ -6005,8 +6005,8 @@
         </p:blipFill>
         <p:spPr>
           <a:xfrm>
-            <a:off x="16156015" y="12674499"/>
-            <a:ext cx="1678276" cy="2369168"/>
+            <a:off x="15934894" y="13007424"/>
+            <a:ext cx="2090947" cy="2090947"/>
           </a:xfrm>
           <a:prstGeom prst="rect">
             <a:avLst/>
@@ -6015,10 +6015,10 @@
       </p:pic>
       <p:pic>
         <p:nvPicPr>
-          <p:cNvPr id="15" name="Imagem 14" descr="Uma imagem contendo Ícone&#10;&#10;O conteúdo gerado por IA pode estar incorreto.">
+          <p:cNvPr id="9" name="Imagem 8" descr="Logotipo&#10;&#10;O conteúdo gerado por IA pode estar incorreto.">
             <a:extLst>
               <a:ext uri="{FF2B5EF4-FFF2-40B4-BE49-F238E27FC236}">
-                <a16:creationId xmlns:a16="http://schemas.microsoft.com/office/drawing/2014/main" id="{31366770-2457-D40F-603F-BB4428389EC6}"/>
+                <a16:creationId xmlns:a16="http://schemas.microsoft.com/office/drawing/2014/main" id="{73D00F91-BE69-CD19-3046-7E612168F673}"/>
               </a:ext>
             </a:extLst>
           </p:cNvPr>
@@ -6041,8 +6041,8 @@
         </p:blipFill>
         <p:spPr>
           <a:xfrm>
-            <a:off x="18219739" y="13014289"/>
-            <a:ext cx="2252785" cy="1689588"/>
+            <a:off x="16930675" y="15334756"/>
+            <a:ext cx="3206433" cy="1516793"/>
           </a:xfrm>
           <a:prstGeom prst="rect">
             <a:avLst/>
@@ -6051,10 +6051,10 @@
       </p:pic>
       <p:pic>
         <p:nvPicPr>
-          <p:cNvPr id="17" name="Imagem 16" descr="Logotipo&#10;&#10;O conteúdo gerado por IA pode estar incorreto.">
+          <p:cNvPr id="23" name="Imagem 22" descr="Forma&#10;&#10;O conteúdo gerado por IA pode estar incorreto.">
             <a:extLst>
               <a:ext uri="{FF2B5EF4-FFF2-40B4-BE49-F238E27FC236}">
-                <a16:creationId xmlns:a16="http://schemas.microsoft.com/office/drawing/2014/main" id="{BF4471B5-57EB-4844-928D-DCF9ED7AF6F5}"/>
+                <a16:creationId xmlns:a16="http://schemas.microsoft.com/office/drawing/2014/main" id="{A5A369BC-E7F3-5752-FC4D-6D36982D1A63}"/>
               </a:ext>
             </a:extLst>
           </p:cNvPr>
@@ -6064,7 +6064,7 @@
           <p:nvPr/>
         </p:nvPicPr>
         <p:blipFill>
-          <a:blip r:embed="rId9" cstate="print">
+          <a:blip r:embed="rId9">
             <a:extLst>
               <a:ext uri="{28A0092B-C50C-407E-A947-70E740481C1C}">
                 <a14:useLocalDpi xmlns:a14="http://schemas.microsoft.com/office/drawing/2010/main" val="0"/>
@@ -6077,8 +6077,8 @@
         </p:blipFill>
         <p:spPr>
           <a:xfrm>
-            <a:off x="13841509" y="15760884"/>
-            <a:ext cx="1567253" cy="1567253"/>
+            <a:off x="18676357" y="12391580"/>
+            <a:ext cx="3244379" cy="3244379"/>
           </a:xfrm>
           <a:prstGeom prst="rect">
             <a:avLst/>
@@ -6087,10 +6087,10 @@
       </p:pic>
       <p:pic>
         <p:nvPicPr>
-          <p:cNvPr id="18" name="Imagem 17" descr="Ícone&#10;&#10;O conteúdo gerado por IA pode estar incorreto.">
+          <p:cNvPr id="25" name="Imagem 24" descr="Logotipo&#10;&#10;O conteúdo gerado por IA pode estar incorreto.">
             <a:extLst>
               <a:ext uri="{FF2B5EF4-FFF2-40B4-BE49-F238E27FC236}">
-                <a16:creationId xmlns:a16="http://schemas.microsoft.com/office/drawing/2014/main" id="{6D783549-32E2-3701-9536-85EC637BA269}"/>
+                <a16:creationId xmlns:a16="http://schemas.microsoft.com/office/drawing/2014/main" id="{A6CCA146-C524-7DA4-FE4F-E1463B53CD6A}"/>
               </a:ext>
             </a:extLst>
           </p:cNvPr>
@@ -6113,115 +6113,7 @@
         </p:blipFill>
         <p:spPr>
           <a:xfrm>
-            <a:off x="16023284" y="15571660"/>
-            <a:ext cx="2090947" cy="2090947"/>
-          </a:xfrm>
-          <a:prstGeom prst="rect">
-            <a:avLst/>
-          </a:prstGeom>
-        </p:spPr>
-      </p:pic>
-      <p:pic>
-        <p:nvPicPr>
-          <p:cNvPr id="9" name="Imagem 8" descr="Logotipo&#10;&#10;O conteúdo gerado por IA pode estar incorreto.">
-            <a:extLst>
-              <a:ext uri="{FF2B5EF4-FFF2-40B4-BE49-F238E27FC236}">
-                <a16:creationId xmlns:a16="http://schemas.microsoft.com/office/drawing/2014/main" id="{73D00F91-BE69-CD19-3046-7E612168F673}"/>
-              </a:ext>
-            </a:extLst>
-          </p:cNvPr>
-          <p:cNvPicPr>
-            <a:picLocks noChangeAspect="1"/>
-          </p:cNvPicPr>
-          <p:nvPr/>
-        </p:nvPicPr>
-        <p:blipFill>
-          <a:blip r:embed="rId11" cstate="print">
-            <a:extLst>
-              <a:ext uri="{28A0092B-C50C-407E-A947-70E740481C1C}">
-                <a14:useLocalDpi xmlns:a14="http://schemas.microsoft.com/office/drawing/2010/main" val="0"/>
-              </a:ext>
-            </a:extLst>
-          </a:blip>
-          <a:stretch>
-            <a:fillRect/>
-          </a:stretch>
-        </p:blipFill>
-        <p:spPr>
-          <a:xfrm>
-            <a:off x="21259594" y="15547470"/>
-            <a:ext cx="3206433" cy="1516793"/>
-          </a:xfrm>
-          <a:prstGeom prst="rect">
-            <a:avLst/>
-          </a:prstGeom>
-        </p:spPr>
-      </p:pic>
-      <p:pic>
-        <p:nvPicPr>
-          <p:cNvPr id="23" name="Imagem 22" descr="Forma&#10;&#10;O conteúdo gerado por IA pode estar incorreto.">
-            <a:extLst>
-              <a:ext uri="{FF2B5EF4-FFF2-40B4-BE49-F238E27FC236}">
-                <a16:creationId xmlns:a16="http://schemas.microsoft.com/office/drawing/2014/main" id="{A5A369BC-E7F3-5752-FC4D-6D36982D1A63}"/>
-              </a:ext>
-            </a:extLst>
-          </p:cNvPr>
-          <p:cNvPicPr>
-            <a:picLocks noChangeAspect="1"/>
-          </p:cNvPicPr>
-          <p:nvPr/>
-        </p:nvPicPr>
-        <p:blipFill>
-          <a:blip r:embed="rId12">
-            <a:extLst>
-              <a:ext uri="{28A0092B-C50C-407E-A947-70E740481C1C}">
-                <a14:useLocalDpi xmlns:a14="http://schemas.microsoft.com/office/drawing/2010/main" val="0"/>
-              </a:ext>
-            </a:extLst>
-          </a:blip>
-          <a:stretch>
-            <a:fillRect/>
-          </a:stretch>
-        </p:blipFill>
-        <p:spPr>
-          <a:xfrm>
-            <a:off x="20534493" y="12391580"/>
-            <a:ext cx="3244379" cy="3244379"/>
-          </a:xfrm>
-          <a:prstGeom prst="rect">
-            <a:avLst/>
-          </a:prstGeom>
-        </p:spPr>
-      </p:pic>
-      <p:pic>
-        <p:nvPicPr>
-          <p:cNvPr id="25" name="Imagem 24" descr="Logotipo&#10;&#10;O conteúdo gerado por IA pode estar incorreto.">
-            <a:extLst>
-              <a:ext uri="{FF2B5EF4-FFF2-40B4-BE49-F238E27FC236}">
-                <a16:creationId xmlns:a16="http://schemas.microsoft.com/office/drawing/2014/main" id="{A6CCA146-C524-7DA4-FE4F-E1463B53CD6A}"/>
-              </a:ext>
-            </a:extLst>
-          </p:cNvPr>
-          <p:cNvPicPr>
-            <a:picLocks noChangeAspect="1"/>
-          </p:cNvPicPr>
-          <p:nvPr/>
-        </p:nvPicPr>
-        <p:blipFill>
-          <a:blip r:embed="rId13" cstate="print">
-            <a:extLst>
-              <a:ext uri="{28A0092B-C50C-407E-A947-70E740481C1C}">
-                <a14:useLocalDpi xmlns:a14="http://schemas.microsoft.com/office/drawing/2010/main" val="0"/>
-              </a:ext>
-            </a:extLst>
-          </a:blip>
-          <a:stretch>
-            <a:fillRect/>
-          </a:stretch>
-        </p:blipFill>
-        <p:spPr>
-          <a:xfrm>
-            <a:off x="17987482" y="15356801"/>
+            <a:off x="13447635" y="15063784"/>
             <a:ext cx="3244379" cy="1898133"/>
           </a:xfrm>
           <a:prstGeom prst="rect">
@@ -6382,7 +6274,7 @@
           <p:nvPr/>
         </p:nvPicPr>
         <p:blipFill>
-          <a:blip r:embed="rId14"/>
+          <a:blip r:embed="rId11"/>
           <a:stretch>
             <a:fillRect/>
           </a:stretch>
@@ -6412,7 +6304,7 @@
           <p:nvPr/>
         </p:nvPicPr>
         <p:blipFill>
-          <a:blip r:embed="rId15"/>
+          <a:blip r:embed="rId12"/>
           <a:stretch>
             <a:fillRect/>
           </a:stretch>
@@ -6442,7 +6334,7 @@
           <p:nvPr/>
         </p:nvPicPr>
         <p:blipFill>
-          <a:blip r:embed="rId16">
+          <a:blip r:embed="rId13">
             <a:extLst>
               <a:ext uri="{28A0092B-C50C-407E-A947-70E740481C1C}">
                 <a14:useLocalDpi xmlns:a14="http://schemas.microsoft.com/office/drawing/2010/main" val="0"/>
@@ -6478,7 +6370,7 @@
           <p:nvPr/>
         </p:nvPicPr>
         <p:blipFill>
-          <a:blip r:embed="rId17"/>
+          <a:blip r:embed="rId14"/>
           <a:stretch>
             <a:fillRect/>
           </a:stretch>
@@ -6723,10 +6615,10 @@
       </p:sp>
       <p:pic>
         <p:nvPicPr>
-          <p:cNvPr id="41" name="Imagem 40" descr="Logotipo, nome da empresa&#10;&#10;O conteúdo gerado por IA pode estar incorreto.">
+          <p:cNvPr id="3" name="Imagem 2">
             <a:extLst>
               <a:ext uri="{FF2B5EF4-FFF2-40B4-BE49-F238E27FC236}">
-                <a16:creationId xmlns:a16="http://schemas.microsoft.com/office/drawing/2014/main" id="{FC1E454B-422A-0B8D-6225-3879A5F52074}"/>
+                <a16:creationId xmlns:a16="http://schemas.microsoft.com/office/drawing/2014/main" id="{C3A23F8D-95CF-4472-A4E3-81AA845F4009}"/>
               </a:ext>
             </a:extLst>
           </p:cNvPr>
@@ -6736,21 +6628,75 @@
           <p:nvPr/>
         </p:nvPicPr>
         <p:blipFill>
-          <a:blip r:embed="rId18" cstate="print">
-            <a:extLst>
-              <a:ext uri="{28A0092B-C50C-407E-A947-70E740481C1C}">
-                <a14:useLocalDpi xmlns:a14="http://schemas.microsoft.com/office/drawing/2010/main" val="0"/>
-              </a:ext>
-            </a:extLst>
-          </a:blip>
+          <a:blip r:embed="rId15"/>
           <a:stretch>
             <a:fillRect/>
           </a:stretch>
         </p:blipFill>
         <p:spPr>
           <a:xfrm>
-            <a:off x="23953354" y="12799505"/>
-            <a:ext cx="2428528" cy="2428528"/>
+            <a:off x="22422590" y="13222991"/>
+            <a:ext cx="1431922" cy="1431922"/>
+          </a:xfrm>
+          <a:prstGeom prst="rect">
+            <a:avLst/>
+          </a:prstGeom>
+        </p:spPr>
+      </p:pic>
+      <p:pic>
+        <p:nvPicPr>
+          <p:cNvPr id="11" name="Imagem 10">
+            <a:extLst>
+              <a:ext uri="{FF2B5EF4-FFF2-40B4-BE49-F238E27FC236}">
+                <a16:creationId xmlns:a16="http://schemas.microsoft.com/office/drawing/2014/main" id="{E63C6664-1B41-4ED1-B01C-AE2E601C5741}"/>
+              </a:ext>
+            </a:extLst>
+          </p:cNvPr>
+          <p:cNvPicPr>
+            <a:picLocks noChangeAspect="1"/>
+          </p:cNvPicPr>
+          <p:nvPr/>
+        </p:nvPicPr>
+        <p:blipFill>
+          <a:blip r:embed="rId16"/>
+          <a:stretch>
+            <a:fillRect/>
+          </a:stretch>
+        </p:blipFill>
+        <p:spPr>
+          <a:xfrm>
+            <a:off x="20463675" y="15376293"/>
+            <a:ext cx="4010342" cy="1622935"/>
+          </a:xfrm>
+          <a:prstGeom prst="rect">
+            <a:avLst/>
+          </a:prstGeom>
+        </p:spPr>
+      </p:pic>
+      <p:pic>
+        <p:nvPicPr>
+          <p:cNvPr id="14" name="Imagem 13">
+            <a:extLst>
+              <a:ext uri="{FF2B5EF4-FFF2-40B4-BE49-F238E27FC236}">
+                <a16:creationId xmlns:a16="http://schemas.microsoft.com/office/drawing/2014/main" id="{155B54A3-EA10-4080-A50C-00DF7CD3259F}"/>
+              </a:ext>
+            </a:extLst>
+          </p:cNvPr>
+          <p:cNvPicPr>
+            <a:picLocks noChangeAspect="1"/>
+          </p:cNvPicPr>
+          <p:nvPr/>
+        </p:nvPicPr>
+        <p:blipFill>
+          <a:blip r:embed="rId17"/>
+          <a:stretch>
+            <a:fillRect/>
+          </a:stretch>
+        </p:blipFill>
+        <p:spPr>
+          <a:xfrm>
+            <a:off x="24648940" y="13944894"/>
+            <a:ext cx="2100064" cy="2100064"/>
           </a:xfrm>
           <a:prstGeom prst="rect">
             <a:avLst/>
@@ -8180,6 +8126,26 @@
 </file>
 
 <file path=customXml/item1.xml><?xml version="1.0" encoding="utf-8"?>
+<?mso-contentType ?>
+<FormTemplates xmlns="http://schemas.microsoft.com/sharepoint/v3/contenttype/forms">
+  <Display>DocumentLibraryForm</Display>
+  <Edit>DocumentLibraryForm</Edit>
+  <New>DocumentLibraryForm</New>
+</FormTemplates>
+</file>
+
+<file path=customXml/item2.xml><?xml version="1.0" encoding="utf-8"?>
+<p:properties xmlns:p="http://schemas.microsoft.com/office/2006/metadata/properties" xmlns:xsi="http://www.w3.org/2001/XMLSchema-instance" xmlns:pc="http://schemas.microsoft.com/office/infopath/2007/PartnerControls">
+  <documentManagement>
+    <lcf76f155ced4ddcb4097134ff3c332f xmlns="8ca2a57e-8138-4b57-956a-eb6e2c7049cc">
+      <Terms xmlns="http://schemas.microsoft.com/office/infopath/2007/PartnerControls"/>
+    </lcf76f155ced4ddcb4097134ff3c332f>
+    <TaxCatchAll xmlns="1d2798d9-1030-4cc5-be7b-200f9e628651" xsi:nil="true"/>
+  </documentManagement>
+</p:properties>
+</file>
+
+<file path=customXml/item3.xml><?xml version="1.0" encoding="utf-8"?>
 <ct:contentTypeSchema xmlns:ct="http://schemas.microsoft.com/office/2006/metadata/contentType" xmlns:ma="http://schemas.microsoft.com/office/2006/metadata/properties/metaAttributes" ct:_="" ma:_="" ma:contentTypeName="Documento" ma:contentTypeID="0x01010045364877AF745B4281652B53F43C594A" ma:contentTypeVersion="15" ma:contentTypeDescription="Crie um novo documento." ma:contentTypeScope="" ma:versionID="440a6fbbcbce65e3f8e2bed610644788">
   <xsd:schema xmlns:xsd="http://www.w3.org/2001/XMLSchema" xmlns:xs="http://www.w3.org/2001/XMLSchema" xmlns:p="http://schemas.microsoft.com/office/2006/metadata/properties" xmlns:ns2="1d2798d9-1030-4cc5-be7b-200f9e628651" xmlns:ns3="8ca2a57e-8138-4b57-956a-eb6e2c7049cc" targetNamespace="http://schemas.microsoft.com/office/2006/metadata/properties" ma:root="true" ma:fieldsID="3ff20d9b6411658b7762fa2c08d7e1af" ns2:_="" ns3:_="">
     <xsd:import namespace="1d2798d9-1030-4cc5-be7b-200f9e628651"/>
@@ -8414,27 +8380,32 @@
 </ct:contentTypeSchema>
 </file>
 
-<file path=customXml/item2.xml><?xml version="1.0" encoding="utf-8"?>
-<p:properties xmlns:p="http://schemas.microsoft.com/office/2006/metadata/properties" xmlns:xsi="http://www.w3.org/2001/XMLSchema-instance" xmlns:pc="http://schemas.microsoft.com/office/infopath/2007/PartnerControls">
-  <documentManagement>
-    <lcf76f155ced4ddcb4097134ff3c332f xmlns="8ca2a57e-8138-4b57-956a-eb6e2c7049cc">
-      <Terms xmlns="http://schemas.microsoft.com/office/infopath/2007/PartnerControls"/>
-    </lcf76f155ced4ddcb4097134ff3c332f>
-    <TaxCatchAll xmlns="1d2798d9-1030-4cc5-be7b-200f9e628651" xsi:nil="true"/>
-  </documentManagement>
-</p:properties>
+<file path=customXml/itemProps1.xml><?xml version="1.0" encoding="utf-8"?>
+<ds:datastoreItem xmlns:ds="http://schemas.openxmlformats.org/officeDocument/2006/customXml" ds:itemID="{20511531-72C6-41EA-909D-35A50B0891E1}">
+  <ds:schemaRefs>
+    <ds:schemaRef ds:uri="http://schemas.microsoft.com/sharepoint/v3/contenttype/forms"/>
+  </ds:schemaRefs>
+</ds:datastoreItem>
 </file>
 
-<file path=customXml/item3.xml><?xml version="1.0" encoding="utf-8"?>
-<?mso-contentType ?>
-<FormTemplates xmlns="http://schemas.microsoft.com/sharepoint/v3/contenttype/forms">
-  <Display>DocumentLibraryForm</Display>
-  <Edit>DocumentLibraryForm</Edit>
-  <New>DocumentLibraryForm</New>
-</FormTemplates>
+<file path=customXml/itemProps2.xml><?xml version="1.0" encoding="utf-8"?>
+<ds:datastoreItem xmlns:ds="http://schemas.openxmlformats.org/officeDocument/2006/customXml" ds:itemID="{8C580D08-C850-4D98-9BB0-6190D1509D8A}">
+  <ds:schemaRefs>
+    <ds:schemaRef ds:uri="http://www.w3.org/XML/1998/namespace"/>
+    <ds:schemaRef ds:uri="http://purl.org/dc/dcmitype/"/>
+    <ds:schemaRef ds:uri="http://schemas.microsoft.com/office/2006/documentManagement/types"/>
+    <ds:schemaRef ds:uri="http://schemas.microsoft.com/office/infopath/2007/PartnerControls"/>
+    <ds:schemaRef ds:uri="http://schemas.openxmlformats.org/package/2006/metadata/core-properties"/>
+    <ds:schemaRef ds:uri="8ca2a57e-8138-4b57-956a-eb6e2c7049cc"/>
+    <ds:schemaRef ds:uri="http://schemas.microsoft.com/office/2006/metadata/properties"/>
+    <ds:schemaRef ds:uri="1d2798d9-1030-4cc5-be7b-200f9e628651"/>
+    <ds:schemaRef ds:uri="http://purl.org/dc/terms/"/>
+    <ds:schemaRef ds:uri="http://purl.org/dc/elements/1.1/"/>
+  </ds:schemaRefs>
+</ds:datastoreItem>
 </file>
 
-<file path=customXml/itemProps1.xml><?xml version="1.0" encoding="utf-8"?>
+<file path=customXml/itemProps3.xml><?xml version="1.0" encoding="utf-8"?>
 <ds:datastoreItem xmlns:ds="http://schemas.openxmlformats.org/officeDocument/2006/customXml" ds:itemID="{B0583F25-0BD0-426F-9D18-6079E5A02729}">
   <ds:schemaRefs>
     <ds:schemaRef ds:uri="http://schemas.microsoft.com/office/2006/metadata/contentType"/>
@@ -8451,29 +8422,4 @@
     <ds:schemaRef ds:uri="http://schemas.microsoft.com/internal/obd"/>
   </ds:schemaRefs>
 </ds:datastoreItem>
-</file>
-
-<file path=customXml/itemProps2.xml><?xml version="1.0" encoding="utf-8"?>
-<ds:datastoreItem xmlns:ds="http://schemas.openxmlformats.org/officeDocument/2006/customXml" ds:itemID="{8C580D08-C850-4D98-9BB0-6190D1509D8A}">
-  <ds:schemaRefs>
-    <ds:schemaRef ds:uri="http://purl.org/dc/elements/1.1/"/>
-    <ds:schemaRef ds:uri="http://purl.org/dc/terms/"/>
-    <ds:schemaRef ds:uri="http://schemas.microsoft.com/office/2006/metadata/properties"/>
-    <ds:schemaRef ds:uri="http://www.w3.org/XML/1998/namespace"/>
-    <ds:schemaRef ds:uri="http://schemas.microsoft.com/office/2006/documentManagement/types"/>
-    <ds:schemaRef ds:uri="http://purl.org/dc/dcmitype/"/>
-    <ds:schemaRef ds:uri="8ca2a57e-8138-4b57-956a-eb6e2c7049cc"/>
-    <ds:schemaRef ds:uri="http://schemas.microsoft.com/office/infopath/2007/PartnerControls"/>
-    <ds:schemaRef ds:uri="http://schemas.openxmlformats.org/package/2006/metadata/core-properties"/>
-    <ds:schemaRef ds:uri="1d2798d9-1030-4cc5-be7b-200f9e628651"/>
-  </ds:schemaRefs>
-</ds:datastoreItem>
-</file>
-
-<file path=customXml/itemProps3.xml><?xml version="1.0" encoding="utf-8"?>
-<ds:datastoreItem xmlns:ds="http://schemas.openxmlformats.org/officeDocument/2006/customXml" ds:itemID="{20511531-72C6-41EA-909D-35A50B0891E1}">
-  <ds:schemaRefs>
-    <ds:schemaRef ds:uri="http://schemas.microsoft.com/sharepoint/v3/contenttype/forms"/>
-  </ds:schemaRefs>
-</ds:datastoreItem>
 </file>
--- a/documentos/Banner_PI_80x120_2025_2[1].pptx
+++ b/documentos/Banner_PI_80x120_2025_2[1].pptx
@@ -4291,7 +4291,7 @@
               <a:rPr lang="pt-BR" sz="3600" b="1" dirty="0">
                 <a:ea typeface="ＭＳ Ｐゴシック" pitchFamily="34" charset="-128"/>
               </a:rPr>
-              <a:t>Nosso time</a:t>
+              <a:t>Sobre a equipe</a:t>
             </a:r>
           </a:p>
           <a:p>
@@ -4304,7 +4304,15 @@
             </a:r>
             <a:r>
               <a:rPr lang="pt-BR" sz="2400" dirty="0"/>
-              <a:t>A equipe responsável pelo desenvolvimento do ##NOME DO PROJETO## é composta por </a:t>
+              <a:t>A equipe responsável pelo desenvolvimento do </a:t>
+            </a:r>
+            <a:r>
+              <a:rPr lang="pt-BR" sz="2400" dirty="0" err="1"/>
+              <a:t>PicStats</a:t>
+            </a:r>
+            <a:r>
+              <a:rPr lang="pt-BR" sz="2400" dirty="0"/>
+              <a:t> é composta por </a:t>
             </a:r>
             <a:r>
               <a:rPr lang="pt-BR" sz="2400" b="1" dirty="0"/>
@@ -4757,9 +4765,10 @@
           <a:p>
             <a:pPr eaLnBrk="1" hangingPunct="1"/>
             <a:r>
-              <a:rPr lang="pt-BR" sz="5866" b="1" dirty="0"/>
-              <a:t>PI Quente (ainda precisamos de um nome)</a:t>
-            </a:r>
+              <a:rPr lang="pt-BR" sz="5866" b="1" dirty="0" err="1"/>
+              <a:t>PicStats</a:t>
+            </a:r>
+            <a:endParaRPr lang="pt-BR" sz="5866" b="1" dirty="0"/>
           </a:p>
         </p:txBody>
       </p:sp>
@@ -5808,7 +5817,7 @@
         </p:nvSpPr>
         <p:spPr bwMode="auto">
           <a:xfrm>
-            <a:off x="92365" y="13425457"/>
+            <a:off x="7965802" y="13097819"/>
             <a:ext cx="12868819" cy="1569469"/>
           </a:xfrm>
           <a:prstGeom prst="rect">
@@ -5969,7 +5978,7 @@
         </p:blipFill>
         <p:spPr>
           <a:xfrm>
-            <a:off x="13707500" y="13103127"/>
+            <a:off x="13466347" y="15123681"/>
             <a:ext cx="2252785" cy="1689588"/>
           </a:xfrm>
           <a:prstGeom prst="rect">
@@ -6005,7 +6014,7 @@
         </p:blipFill>
         <p:spPr>
           <a:xfrm>
-            <a:off x="15934894" y="13007424"/>
+            <a:off x="15693741" y="15027978"/>
             <a:ext cx="2090947" cy="2090947"/>
           </a:xfrm>
           <a:prstGeom prst="rect">
@@ -6041,7 +6050,7 @@
         </p:blipFill>
         <p:spPr>
           <a:xfrm>
-            <a:off x="16930675" y="15334756"/>
+            <a:off x="16689522" y="17355310"/>
             <a:ext cx="3206433" cy="1516793"/>
           </a:xfrm>
           <a:prstGeom prst="rect">
@@ -6077,7 +6086,7 @@
         </p:blipFill>
         <p:spPr>
           <a:xfrm>
-            <a:off x="18676357" y="12391580"/>
+            <a:off x="18435204" y="14412134"/>
             <a:ext cx="3244379" cy="3244379"/>
           </a:xfrm>
           <a:prstGeom prst="rect">
@@ -6113,7 +6122,7 @@
         </p:blipFill>
         <p:spPr>
           <a:xfrm>
-            <a:off x="13447635" y="15063784"/>
+            <a:off x="13206482" y="17084338"/>
             <a:ext cx="3244379" cy="1898133"/>
           </a:xfrm>
           <a:prstGeom prst="rect">
@@ -6281,7 +6290,7 @@
         </p:blipFill>
         <p:spPr>
           <a:xfrm>
-            <a:off x="122752" y="16202631"/>
+            <a:off x="79744" y="16367570"/>
             <a:ext cx="12654390" cy="6322316"/>
           </a:xfrm>
           <a:prstGeom prst="rect">
@@ -6311,7 +6320,7 @@
         </p:blipFill>
         <p:spPr>
           <a:xfrm>
-            <a:off x="13110203" y="18008119"/>
+            <a:off x="13099275" y="19269888"/>
             <a:ext cx="14947160" cy="6737796"/>
           </a:xfrm>
           <a:prstGeom prst="rect">
@@ -6347,7 +6356,7 @@
         </p:blipFill>
         <p:spPr>
           <a:xfrm>
-            <a:off x="1670725" y="23957968"/>
+            <a:off x="1540883" y="24443496"/>
             <a:ext cx="8326619" cy="7151971"/>
           </a:xfrm>
           <a:prstGeom prst="rect">
@@ -6377,7 +6386,7 @@
         </p:blipFill>
         <p:spPr>
           <a:xfrm>
-            <a:off x="13092169" y="24713346"/>
+            <a:off x="13081241" y="25975115"/>
             <a:ext cx="14855619" cy="6974728"/>
           </a:xfrm>
           <a:prstGeom prst="rect">
@@ -6401,7 +6410,7 @@
         </p:nvSpPr>
         <p:spPr bwMode="auto">
           <a:xfrm>
-            <a:off x="35982" y="22561069"/>
+            <a:off x="96584" y="22880841"/>
             <a:ext cx="3874922" cy="353943"/>
           </a:xfrm>
           <a:prstGeom prst="rect">
@@ -6471,7 +6480,7 @@
         </p:nvSpPr>
         <p:spPr bwMode="auto">
           <a:xfrm>
-            <a:off x="13092169" y="31746714"/>
+            <a:off x="13081241" y="33008483"/>
             <a:ext cx="3874922" cy="353943"/>
           </a:xfrm>
           <a:prstGeom prst="rect">
@@ -6515,7 +6524,7 @@
                 </a:solidFill>
                 <a:ea typeface="ＭＳ Ｐゴシック" pitchFamily="34" charset="-128"/>
               </a:rPr>
-              <a:t>Protótipo pagina scroll </a:t>
+              <a:t>Protótipo pagina scroll-</a:t>
             </a:r>
             <a:r>
               <a:rPr lang="pt-BR" sz="1700" dirty="0" err="1">
@@ -6559,7 +6568,7 @@
         </p:nvSpPr>
         <p:spPr bwMode="auto">
           <a:xfrm>
-            <a:off x="1798812" y="31155859"/>
+            <a:off x="1668970" y="31641387"/>
             <a:ext cx="3874922" cy="353943"/>
           </a:xfrm>
           <a:prstGeom prst="rect">
@@ -6635,7 +6644,7 @@
         </p:blipFill>
         <p:spPr>
           <a:xfrm>
-            <a:off x="22422590" y="13222991"/>
+            <a:off x="22181437" y="15243545"/>
             <a:ext cx="1431922" cy="1431922"/>
           </a:xfrm>
           <a:prstGeom prst="rect">
@@ -6665,7 +6674,7 @@
         </p:blipFill>
         <p:spPr>
           <a:xfrm>
-            <a:off x="20463675" y="15376293"/>
+            <a:off x="20222522" y="17396847"/>
             <a:ext cx="4010342" cy="1622935"/>
           </a:xfrm>
           <a:prstGeom prst="rect">
@@ -6695,7 +6704,7 @@
         </p:blipFill>
         <p:spPr>
           <a:xfrm>
-            <a:off x="24648940" y="13944894"/>
+            <a:off x="24407787" y="15965448"/>
             <a:ext cx="2100064" cy="2100064"/>
           </a:xfrm>
           <a:prstGeom prst="rect">
@@ -8126,26 +8135,6 @@
 </file>
 
 <file path=customXml/item1.xml><?xml version="1.0" encoding="utf-8"?>
-<?mso-contentType ?>
-<FormTemplates xmlns="http://schemas.microsoft.com/sharepoint/v3/contenttype/forms">
-  <Display>DocumentLibraryForm</Display>
-  <Edit>DocumentLibraryForm</Edit>
-  <New>DocumentLibraryForm</New>
-</FormTemplates>
-</file>
-
-<file path=customXml/item2.xml><?xml version="1.0" encoding="utf-8"?>
-<p:properties xmlns:p="http://schemas.microsoft.com/office/2006/metadata/properties" xmlns:xsi="http://www.w3.org/2001/XMLSchema-instance" xmlns:pc="http://schemas.microsoft.com/office/infopath/2007/PartnerControls">
-  <documentManagement>
-    <lcf76f155ced4ddcb4097134ff3c332f xmlns="8ca2a57e-8138-4b57-956a-eb6e2c7049cc">
-      <Terms xmlns="http://schemas.microsoft.com/office/infopath/2007/PartnerControls"/>
-    </lcf76f155ced4ddcb4097134ff3c332f>
-    <TaxCatchAll xmlns="1d2798d9-1030-4cc5-be7b-200f9e628651" xsi:nil="true"/>
-  </documentManagement>
-</p:properties>
-</file>
-
-<file path=customXml/item3.xml><?xml version="1.0" encoding="utf-8"?>
 <ct:contentTypeSchema xmlns:ct="http://schemas.microsoft.com/office/2006/metadata/contentType" xmlns:ma="http://schemas.microsoft.com/office/2006/metadata/properties/metaAttributes" ct:_="" ma:_="" ma:contentTypeName="Documento" ma:contentTypeID="0x01010045364877AF745B4281652B53F43C594A" ma:contentTypeVersion="15" ma:contentTypeDescription="Crie um novo documento." ma:contentTypeScope="" ma:versionID="440a6fbbcbce65e3f8e2bed610644788">
   <xsd:schema xmlns:xsd="http://www.w3.org/2001/XMLSchema" xmlns:xs="http://www.w3.org/2001/XMLSchema" xmlns:p="http://schemas.microsoft.com/office/2006/metadata/properties" xmlns:ns2="1d2798d9-1030-4cc5-be7b-200f9e628651" xmlns:ns3="8ca2a57e-8138-4b57-956a-eb6e2c7049cc" targetNamespace="http://schemas.microsoft.com/office/2006/metadata/properties" ma:root="true" ma:fieldsID="3ff20d9b6411658b7762fa2c08d7e1af" ns2:_="" ns3:_="">
     <xsd:import namespace="1d2798d9-1030-4cc5-be7b-200f9e628651"/>
@@ -8380,10 +8369,41 @@
 </ct:contentTypeSchema>
 </file>
 
+<file path=customXml/item2.xml><?xml version="1.0" encoding="utf-8"?>
+<p:properties xmlns:p="http://schemas.microsoft.com/office/2006/metadata/properties" xmlns:xsi="http://www.w3.org/2001/XMLSchema-instance" xmlns:pc="http://schemas.microsoft.com/office/infopath/2007/PartnerControls">
+  <documentManagement>
+    <lcf76f155ced4ddcb4097134ff3c332f xmlns="8ca2a57e-8138-4b57-956a-eb6e2c7049cc">
+      <Terms xmlns="http://schemas.microsoft.com/office/infopath/2007/PartnerControls"/>
+    </lcf76f155ced4ddcb4097134ff3c332f>
+    <TaxCatchAll xmlns="1d2798d9-1030-4cc5-be7b-200f9e628651" xsi:nil="true"/>
+  </documentManagement>
+</p:properties>
+</file>
+
+<file path=customXml/item3.xml><?xml version="1.0" encoding="utf-8"?>
+<?mso-contentType ?>
+<FormTemplates xmlns="http://schemas.microsoft.com/sharepoint/v3/contenttype/forms">
+  <Display>DocumentLibraryForm</Display>
+  <Edit>DocumentLibraryForm</Edit>
+  <New>DocumentLibraryForm</New>
+</FormTemplates>
+</file>
+
 <file path=customXml/itemProps1.xml><?xml version="1.0" encoding="utf-8"?>
-<ds:datastoreItem xmlns:ds="http://schemas.openxmlformats.org/officeDocument/2006/customXml" ds:itemID="{20511531-72C6-41EA-909D-35A50B0891E1}">
+<ds:datastoreItem xmlns:ds="http://schemas.openxmlformats.org/officeDocument/2006/customXml" ds:itemID="{B0583F25-0BD0-426F-9D18-6079E5A02729}">
   <ds:schemaRefs>
-    <ds:schemaRef ds:uri="http://schemas.microsoft.com/sharepoint/v3/contenttype/forms"/>
+    <ds:schemaRef ds:uri="http://schemas.microsoft.com/office/2006/metadata/contentType"/>
+    <ds:schemaRef ds:uri="http://schemas.microsoft.com/office/2006/metadata/properties/metaAttributes"/>
+    <ds:schemaRef ds:uri="http://www.w3.org/2001/XMLSchema"/>
+    <ds:schemaRef ds:uri="http://schemas.microsoft.com/office/2006/metadata/properties"/>
+    <ds:schemaRef ds:uri="1d2798d9-1030-4cc5-be7b-200f9e628651"/>
+    <ds:schemaRef ds:uri="8ca2a57e-8138-4b57-956a-eb6e2c7049cc"/>
+    <ds:schemaRef ds:uri="http://schemas.microsoft.com/office/2006/documentManagement/types"/>
+    <ds:schemaRef ds:uri="http://schemas.microsoft.com/office/infopath/2007/PartnerControls"/>
+    <ds:schemaRef ds:uri="http://schemas.openxmlformats.org/package/2006/metadata/core-properties"/>
+    <ds:schemaRef ds:uri="http://purl.org/dc/elements/1.1/"/>
+    <ds:schemaRef ds:uri="http://purl.org/dc/terms/"/>
+    <ds:schemaRef ds:uri="http://schemas.microsoft.com/internal/obd"/>
   </ds:schemaRefs>
 </ds:datastoreItem>
 </file>
@@ -8406,20 +8426,9 @@
 </file>
 
 <file path=customXml/itemProps3.xml><?xml version="1.0" encoding="utf-8"?>
-<ds:datastoreItem xmlns:ds="http://schemas.openxmlformats.org/officeDocument/2006/customXml" ds:itemID="{B0583F25-0BD0-426F-9D18-6079E5A02729}">
+<ds:datastoreItem xmlns:ds="http://schemas.openxmlformats.org/officeDocument/2006/customXml" ds:itemID="{20511531-72C6-41EA-909D-35A50B0891E1}">
   <ds:schemaRefs>
-    <ds:schemaRef ds:uri="http://schemas.microsoft.com/office/2006/metadata/contentType"/>
-    <ds:schemaRef ds:uri="http://schemas.microsoft.com/office/2006/metadata/properties/metaAttributes"/>
-    <ds:schemaRef ds:uri="http://www.w3.org/2001/XMLSchema"/>
-    <ds:schemaRef ds:uri="http://schemas.microsoft.com/office/2006/metadata/properties"/>
-    <ds:schemaRef ds:uri="1d2798d9-1030-4cc5-be7b-200f9e628651"/>
-    <ds:schemaRef ds:uri="8ca2a57e-8138-4b57-956a-eb6e2c7049cc"/>
-    <ds:schemaRef ds:uri="http://schemas.microsoft.com/office/2006/documentManagement/types"/>
-    <ds:schemaRef ds:uri="http://schemas.microsoft.com/office/infopath/2007/PartnerControls"/>
-    <ds:schemaRef ds:uri="http://schemas.openxmlformats.org/package/2006/metadata/core-properties"/>
-    <ds:schemaRef ds:uri="http://purl.org/dc/elements/1.1/"/>
-    <ds:schemaRef ds:uri="http://purl.org/dc/terms/"/>
-    <ds:schemaRef ds:uri="http://schemas.microsoft.com/internal/obd"/>
+    <ds:schemaRef ds:uri="http://schemas.microsoft.com/sharepoint/v3/contenttype/forms"/>
   </ds:schemaRefs>
 </ds:datastoreItem>
 </file>
--- a/documentos/Banner_PI_80x120_2025_2[1].pptx
+++ b/documentos/Banner_PI_80x120_2025_2[1].pptx
@@ -8135,6 +8135,26 @@
 </file>
 
 <file path=customXml/item1.xml><?xml version="1.0" encoding="utf-8"?>
+<?mso-contentType ?>
+<FormTemplates xmlns="http://schemas.microsoft.com/sharepoint/v3/contenttype/forms">
+  <Display>DocumentLibraryForm</Display>
+  <Edit>DocumentLibraryForm</Edit>
+  <New>DocumentLibraryForm</New>
+</FormTemplates>
+</file>
+
+<file path=customXml/item2.xml><?xml version="1.0" encoding="utf-8"?>
+<p:properties xmlns:p="http://schemas.microsoft.com/office/2006/metadata/properties" xmlns:xsi="http://www.w3.org/2001/XMLSchema-instance" xmlns:pc="http://schemas.microsoft.com/office/infopath/2007/PartnerControls">
+  <documentManagement>
+    <lcf76f155ced4ddcb4097134ff3c332f xmlns="8ca2a57e-8138-4b57-956a-eb6e2c7049cc">
+      <Terms xmlns="http://schemas.microsoft.com/office/infopath/2007/PartnerControls"/>
+    </lcf76f155ced4ddcb4097134ff3c332f>
+    <TaxCatchAll xmlns="1d2798d9-1030-4cc5-be7b-200f9e628651" xsi:nil="true"/>
+  </documentManagement>
+</p:properties>
+</file>
+
+<file path=customXml/item3.xml><?xml version="1.0" encoding="utf-8"?>
 <ct:contentTypeSchema xmlns:ct="http://schemas.microsoft.com/office/2006/metadata/contentType" xmlns:ma="http://schemas.microsoft.com/office/2006/metadata/properties/metaAttributes" ct:_="" ma:_="" ma:contentTypeName="Documento" ma:contentTypeID="0x01010045364877AF745B4281652B53F43C594A" ma:contentTypeVersion="15" ma:contentTypeDescription="Crie um novo documento." ma:contentTypeScope="" ma:versionID="440a6fbbcbce65e3f8e2bed610644788">
   <xsd:schema xmlns:xsd="http://www.w3.org/2001/XMLSchema" xmlns:xs="http://www.w3.org/2001/XMLSchema" xmlns:p="http://schemas.microsoft.com/office/2006/metadata/properties" xmlns:ns2="1d2798d9-1030-4cc5-be7b-200f9e628651" xmlns:ns3="8ca2a57e-8138-4b57-956a-eb6e2c7049cc" targetNamespace="http://schemas.microsoft.com/office/2006/metadata/properties" ma:root="true" ma:fieldsID="3ff20d9b6411658b7762fa2c08d7e1af" ns2:_="" ns3:_="">
     <xsd:import namespace="1d2798d9-1030-4cc5-be7b-200f9e628651"/>
@@ -8369,41 +8389,10 @@
 </ct:contentTypeSchema>
 </file>
 
-<file path=customXml/item2.xml><?xml version="1.0" encoding="utf-8"?>
-<p:properties xmlns:p="http://schemas.microsoft.com/office/2006/metadata/properties" xmlns:xsi="http://www.w3.org/2001/XMLSchema-instance" xmlns:pc="http://schemas.microsoft.com/office/infopath/2007/PartnerControls">
-  <documentManagement>
-    <lcf76f155ced4ddcb4097134ff3c332f xmlns="8ca2a57e-8138-4b57-956a-eb6e2c7049cc">
-      <Terms xmlns="http://schemas.microsoft.com/office/infopath/2007/PartnerControls"/>
-    </lcf76f155ced4ddcb4097134ff3c332f>
-    <TaxCatchAll xmlns="1d2798d9-1030-4cc5-be7b-200f9e628651" xsi:nil="true"/>
-  </documentManagement>
-</p:properties>
-</file>
-
-<file path=customXml/item3.xml><?xml version="1.0" encoding="utf-8"?>
-<?mso-contentType ?>
-<FormTemplates xmlns="http://schemas.microsoft.com/sharepoint/v3/contenttype/forms">
-  <Display>DocumentLibraryForm</Display>
-  <Edit>DocumentLibraryForm</Edit>
-  <New>DocumentLibraryForm</New>
-</FormTemplates>
-</file>
-
 <file path=customXml/itemProps1.xml><?xml version="1.0" encoding="utf-8"?>
-<ds:datastoreItem xmlns:ds="http://schemas.openxmlformats.org/officeDocument/2006/customXml" ds:itemID="{B0583F25-0BD0-426F-9D18-6079E5A02729}">
+<ds:datastoreItem xmlns:ds="http://schemas.openxmlformats.org/officeDocument/2006/customXml" ds:itemID="{20511531-72C6-41EA-909D-35A50B0891E1}">
   <ds:schemaRefs>
-    <ds:schemaRef ds:uri="http://schemas.microsoft.com/office/2006/metadata/contentType"/>
-    <ds:schemaRef ds:uri="http://schemas.microsoft.com/office/2006/metadata/properties/metaAttributes"/>
-    <ds:schemaRef ds:uri="http://www.w3.org/2001/XMLSchema"/>
-    <ds:schemaRef ds:uri="http://schemas.microsoft.com/office/2006/metadata/properties"/>
-    <ds:schemaRef ds:uri="1d2798d9-1030-4cc5-be7b-200f9e628651"/>
-    <ds:schemaRef ds:uri="8ca2a57e-8138-4b57-956a-eb6e2c7049cc"/>
-    <ds:schemaRef ds:uri="http://schemas.microsoft.com/office/2006/documentManagement/types"/>
-    <ds:schemaRef ds:uri="http://schemas.microsoft.com/office/infopath/2007/PartnerControls"/>
-    <ds:schemaRef ds:uri="http://schemas.openxmlformats.org/package/2006/metadata/core-properties"/>
-    <ds:schemaRef ds:uri="http://purl.org/dc/elements/1.1/"/>
-    <ds:schemaRef ds:uri="http://purl.org/dc/terms/"/>
-    <ds:schemaRef ds:uri="http://schemas.microsoft.com/internal/obd"/>
+    <ds:schemaRef ds:uri="http://schemas.microsoft.com/sharepoint/v3/contenttype/forms"/>
   </ds:schemaRefs>
 </ds:datastoreItem>
 </file>
@@ -8426,9 +8415,20 @@
 </file>
 
 <file path=customXml/itemProps3.xml><?xml version="1.0" encoding="utf-8"?>
-<ds:datastoreItem xmlns:ds="http://schemas.openxmlformats.org/officeDocument/2006/customXml" ds:itemID="{20511531-72C6-41EA-909D-35A50B0891E1}">
+<ds:datastoreItem xmlns:ds="http://schemas.openxmlformats.org/officeDocument/2006/customXml" ds:itemID="{B0583F25-0BD0-426F-9D18-6079E5A02729}">
   <ds:schemaRefs>
-    <ds:schemaRef ds:uri="http://schemas.microsoft.com/sharepoint/v3/contenttype/forms"/>
+    <ds:schemaRef ds:uri="http://schemas.microsoft.com/office/2006/metadata/contentType"/>
+    <ds:schemaRef ds:uri="http://schemas.microsoft.com/office/2006/metadata/properties/metaAttributes"/>
+    <ds:schemaRef ds:uri="http://www.w3.org/2001/XMLSchema"/>
+    <ds:schemaRef ds:uri="http://schemas.microsoft.com/office/2006/metadata/properties"/>
+    <ds:schemaRef ds:uri="1d2798d9-1030-4cc5-be7b-200f9e628651"/>
+    <ds:schemaRef ds:uri="8ca2a57e-8138-4b57-956a-eb6e2c7049cc"/>
+    <ds:schemaRef ds:uri="http://schemas.microsoft.com/office/2006/documentManagement/types"/>
+    <ds:schemaRef ds:uri="http://schemas.microsoft.com/office/infopath/2007/PartnerControls"/>
+    <ds:schemaRef ds:uri="http://schemas.openxmlformats.org/package/2006/metadata/core-properties"/>
+    <ds:schemaRef ds:uri="http://purl.org/dc/elements/1.1/"/>
+    <ds:schemaRef ds:uri="http://purl.org/dc/terms/"/>
+    <ds:schemaRef ds:uri="http://schemas.microsoft.com/internal/obd"/>
   </ds:schemaRefs>
 </ds:datastoreItem>
 </file>